--- a/Проект Tizen.pptx
+++ b/Проект Tizen.pptx
@@ -840,7 +840,7 @@
           <a:p>
             <a:fld id="{62577558-E697-42E0-937D-156863CB0039}" type="datetimeFigureOut">
               <a:rPr lang="ru-RU" smtClean="0"/>
-              <a:t>24.12.2017</a:t>
+              <a:t>25.12.2017</a:t>
             </a:fld>
             <a:endParaRPr lang="ru-RU"/>
           </a:p>
@@ -1091,7 +1091,7 @@
           <a:p>
             <a:fld id="{62577558-E697-42E0-937D-156863CB0039}" type="datetimeFigureOut">
               <a:rPr lang="ru-RU" smtClean="0"/>
-              <a:t>24.12.2017</a:t>
+              <a:t>25.12.2017</a:t>
             </a:fld>
             <a:endParaRPr lang="ru-RU"/>
           </a:p>
@@ -1405,7 +1405,7 @@
           <a:p>
             <a:fld id="{62577558-E697-42E0-937D-156863CB0039}" type="datetimeFigureOut">
               <a:rPr lang="ru-RU" smtClean="0"/>
-              <a:t>24.12.2017</a:t>
+              <a:t>25.12.2017</a:t>
             </a:fld>
             <a:endParaRPr lang="ru-RU"/>
           </a:p>
@@ -1746,7 +1746,7 @@
           <a:p>
             <a:fld id="{62577558-E697-42E0-937D-156863CB0039}" type="datetimeFigureOut">
               <a:rPr lang="ru-RU" smtClean="0"/>
-              <a:t>24.12.2017</a:t>
+              <a:t>25.12.2017</a:t>
             </a:fld>
             <a:endParaRPr lang="ru-RU"/>
           </a:p>
@@ -2060,7 +2060,7 @@
           <a:p>
             <a:fld id="{62577558-E697-42E0-937D-156863CB0039}" type="datetimeFigureOut">
               <a:rPr lang="ru-RU" smtClean="0"/>
-              <a:t>24.12.2017</a:t>
+              <a:t>25.12.2017</a:t>
             </a:fld>
             <a:endParaRPr lang="ru-RU"/>
           </a:p>
@@ -2453,7 +2453,7 @@
           <a:p>
             <a:fld id="{62577558-E697-42E0-937D-156863CB0039}" type="datetimeFigureOut">
               <a:rPr lang="ru-RU" smtClean="0"/>
-              <a:t>24.12.2017</a:t>
+              <a:t>25.12.2017</a:t>
             </a:fld>
             <a:endParaRPr lang="ru-RU"/>
           </a:p>
@@ -2623,7 +2623,7 @@
           <a:p>
             <a:fld id="{62577558-E697-42E0-937D-156863CB0039}" type="datetimeFigureOut">
               <a:rPr lang="ru-RU" smtClean="0"/>
-              <a:t>24.12.2017</a:t>
+              <a:t>25.12.2017</a:t>
             </a:fld>
             <a:endParaRPr lang="ru-RU"/>
           </a:p>
@@ -2803,7 +2803,7 @@
           <a:p>
             <a:fld id="{62577558-E697-42E0-937D-156863CB0039}" type="datetimeFigureOut">
               <a:rPr lang="ru-RU" smtClean="0"/>
-              <a:t>24.12.2017</a:t>
+              <a:t>25.12.2017</a:t>
             </a:fld>
             <a:endParaRPr lang="ru-RU"/>
           </a:p>
@@ -2979,7 +2979,7 @@
           <a:p>
             <a:fld id="{62577558-E697-42E0-937D-156863CB0039}" type="datetimeFigureOut">
               <a:rPr lang="ru-RU" smtClean="0"/>
-              <a:t>24.12.2017</a:t>
+              <a:t>25.12.2017</a:t>
             </a:fld>
             <a:endParaRPr lang="ru-RU"/>
           </a:p>
@@ -3226,7 +3226,7 @@
           <a:p>
             <a:fld id="{62577558-E697-42E0-937D-156863CB0039}" type="datetimeFigureOut">
               <a:rPr lang="ru-RU" smtClean="0"/>
-              <a:t>24.12.2017</a:t>
+              <a:t>25.12.2017</a:t>
             </a:fld>
             <a:endParaRPr lang="ru-RU"/>
           </a:p>
@@ -3458,7 +3458,7 @@
           <a:p>
             <a:fld id="{62577558-E697-42E0-937D-156863CB0039}" type="datetimeFigureOut">
               <a:rPr lang="ru-RU" smtClean="0"/>
-              <a:t>24.12.2017</a:t>
+              <a:t>25.12.2017</a:t>
             </a:fld>
             <a:endParaRPr lang="ru-RU"/>
           </a:p>
@@ -3832,7 +3832,7 @@
           <a:p>
             <a:fld id="{62577558-E697-42E0-937D-156863CB0039}" type="datetimeFigureOut">
               <a:rPr lang="ru-RU" smtClean="0"/>
-              <a:t>24.12.2017</a:t>
+              <a:t>25.12.2017</a:t>
             </a:fld>
             <a:endParaRPr lang="ru-RU"/>
           </a:p>
@@ -3955,7 +3955,7 @@
           <a:p>
             <a:fld id="{62577558-E697-42E0-937D-156863CB0039}" type="datetimeFigureOut">
               <a:rPr lang="ru-RU" smtClean="0"/>
-              <a:t>24.12.2017</a:t>
+              <a:t>25.12.2017</a:t>
             </a:fld>
             <a:endParaRPr lang="ru-RU"/>
           </a:p>
@@ -4050,7 +4050,7 @@
           <a:p>
             <a:fld id="{62577558-E697-42E0-937D-156863CB0039}" type="datetimeFigureOut">
               <a:rPr lang="ru-RU" smtClean="0"/>
-              <a:t>24.12.2017</a:t>
+              <a:t>25.12.2017</a:t>
             </a:fld>
             <a:endParaRPr lang="ru-RU"/>
           </a:p>
@@ -4305,7 +4305,7 @@
           <a:p>
             <a:fld id="{62577558-E697-42E0-937D-156863CB0039}" type="datetimeFigureOut">
               <a:rPr lang="ru-RU" smtClean="0"/>
-              <a:t>24.12.2017</a:t>
+              <a:t>25.12.2017</a:t>
             </a:fld>
             <a:endParaRPr lang="ru-RU"/>
           </a:p>
@@ -4568,7 +4568,7 @@
           <a:p>
             <a:fld id="{62577558-E697-42E0-937D-156863CB0039}" type="datetimeFigureOut">
               <a:rPr lang="ru-RU" smtClean="0"/>
-              <a:t>24.12.2017</a:t>
+              <a:t>25.12.2017</a:t>
             </a:fld>
             <a:endParaRPr lang="ru-RU"/>
           </a:p>
@@ -5311,7 +5311,7 @@
           <a:p>
             <a:fld id="{62577558-E697-42E0-937D-156863CB0039}" type="datetimeFigureOut">
               <a:rPr lang="ru-RU" smtClean="0"/>
-              <a:t>24.12.2017</a:t>
+              <a:t>25.12.2017</a:t>
             </a:fld>
             <a:endParaRPr lang="ru-RU"/>
           </a:p>
@@ -6155,6 +6155,19 @@
               <a:rPr lang="en-US" dirty="0" smtClean="0"/>
               <a:t>JavaScript</a:t>
             </a:r>
+            <a:r>
+              <a:rPr lang="ru-RU" dirty="0" smtClean="0"/>
+              <a:t> (</a:t>
+            </a:r>
+            <a:r>
+              <a:rPr lang="en-US" dirty="0" smtClean="0"/>
+              <a:t>Angular 4, Node.js</a:t>
+            </a:r>
+            <a:r>
+              <a:rPr lang="ru-RU" dirty="0" smtClean="0"/>
+              <a:t>)</a:t>
+            </a:r>
+            <a:endParaRPr lang="en-US" dirty="0" smtClean="0"/>
           </a:p>
           <a:p>
             <a:r>
@@ -6213,6 +6226,27 @@
               <a:rPr lang="ru-RU" dirty="0" smtClean="0"/>
               <a:t>запросов</a:t>
             </a:r>
+            <a:r>
+              <a:rPr lang="en-US" dirty="0" smtClean="0"/>
+              <a:t>. </a:t>
+            </a:r>
+            <a:r>
+              <a:rPr lang="ru-RU" dirty="0" smtClean="0"/>
+              <a:t>Связь сервера с </a:t>
+            </a:r>
+            <a:r>
+              <a:rPr lang="en-US" dirty="0" smtClean="0"/>
+              <a:t>web-</a:t>
+            </a:r>
+            <a:r>
+              <a:rPr lang="ru-RU" dirty="0" smtClean="0"/>
+              <a:t>приложением идет через </a:t>
+            </a:r>
+            <a:r>
+              <a:rPr lang="en-US" dirty="0" smtClean="0"/>
+              <a:t>Socket.io</a:t>
+            </a:r>
+            <a:endParaRPr lang="ru-RU" dirty="0" smtClean="0"/>
           </a:p>
           <a:p>
             <a:r>
